--- a/Document.pptx
+++ b/Document.pptx
@@ -261,7 +261,7 @@
           <a:p>
             <a:fld id="{B12F9B78-2616-4EC3-89AF-BE4821C313E8}" type="datetimeFigureOut">
               <a:rPr lang="en-IN" smtClean="0"/>
-              <a:t>07-08-2024</a:t>
+              <a:t>29-08-2024</a:t>
             </a:fld>
             <a:endParaRPr lang="en-IN"/>
           </a:p>
@@ -472,7 +472,7 @@
           <a:p>
             <a:fld id="{B12F9B78-2616-4EC3-89AF-BE4821C313E8}" type="datetimeFigureOut">
               <a:rPr lang="en-IN" smtClean="0"/>
-              <a:t>07-08-2024</a:t>
+              <a:t>29-08-2024</a:t>
             </a:fld>
             <a:endParaRPr lang="en-IN"/>
           </a:p>
@@ -687,7 +687,7 @@
           <a:p>
             <a:fld id="{B12F9B78-2616-4EC3-89AF-BE4821C313E8}" type="datetimeFigureOut">
               <a:rPr lang="en-IN" smtClean="0"/>
-              <a:t>07-08-2024</a:t>
+              <a:t>29-08-2024</a:t>
             </a:fld>
             <a:endParaRPr lang="en-IN"/>
           </a:p>
@@ -888,7 +888,7 @@
           <a:p>
             <a:fld id="{B12F9B78-2616-4EC3-89AF-BE4821C313E8}" type="datetimeFigureOut">
               <a:rPr lang="en-IN" smtClean="0"/>
-              <a:t>07-08-2024</a:t>
+              <a:t>29-08-2024</a:t>
             </a:fld>
             <a:endParaRPr lang="en-IN"/>
           </a:p>
@@ -1167,7 +1167,7 @@
           <a:p>
             <a:fld id="{B12F9B78-2616-4EC3-89AF-BE4821C313E8}" type="datetimeFigureOut">
               <a:rPr lang="en-IN" smtClean="0"/>
-              <a:t>07-08-2024</a:t>
+              <a:t>29-08-2024</a:t>
             </a:fld>
             <a:endParaRPr lang="en-IN"/>
           </a:p>
@@ -1435,7 +1435,7 @@
           <a:p>
             <a:fld id="{B12F9B78-2616-4EC3-89AF-BE4821C313E8}" type="datetimeFigureOut">
               <a:rPr lang="en-IN" smtClean="0"/>
-              <a:t>07-08-2024</a:t>
+              <a:t>29-08-2024</a:t>
             </a:fld>
             <a:endParaRPr lang="en-IN"/>
           </a:p>
@@ -1851,7 +1851,7 @@
           <a:p>
             <a:fld id="{B12F9B78-2616-4EC3-89AF-BE4821C313E8}" type="datetimeFigureOut">
               <a:rPr lang="en-IN" smtClean="0"/>
-              <a:t>07-08-2024</a:t>
+              <a:t>29-08-2024</a:t>
             </a:fld>
             <a:endParaRPr lang="en-IN"/>
           </a:p>
@@ -2000,7 +2000,7 @@
           <a:p>
             <a:fld id="{B12F9B78-2616-4EC3-89AF-BE4821C313E8}" type="datetimeFigureOut">
               <a:rPr lang="en-IN" smtClean="0"/>
-              <a:t>07-08-2024</a:t>
+              <a:t>29-08-2024</a:t>
             </a:fld>
             <a:endParaRPr lang="en-IN"/>
           </a:p>
@@ -2126,7 +2126,7 @@
           <a:p>
             <a:fld id="{B12F9B78-2616-4EC3-89AF-BE4821C313E8}" type="datetimeFigureOut">
               <a:rPr lang="en-IN" smtClean="0"/>
-              <a:t>07-08-2024</a:t>
+              <a:t>29-08-2024</a:t>
             </a:fld>
             <a:endParaRPr lang="en-IN"/>
           </a:p>
@@ -2377,7 +2377,7 @@
           <a:p>
             <a:fld id="{B12F9B78-2616-4EC3-89AF-BE4821C313E8}" type="datetimeFigureOut">
               <a:rPr lang="en-IN" smtClean="0"/>
-              <a:t>07-08-2024</a:t>
+              <a:t>29-08-2024</a:t>
             </a:fld>
             <a:endParaRPr lang="en-IN"/>
           </a:p>
@@ -2822,7 +2822,7 @@
           <a:p>
             <a:fld id="{B12F9B78-2616-4EC3-89AF-BE4821C313E8}" type="datetimeFigureOut">
               <a:rPr lang="en-IN" smtClean="0"/>
-              <a:t>07-08-2024</a:t>
+              <a:t>29-08-2024</a:t>
             </a:fld>
             <a:endParaRPr lang="en-IN"/>
           </a:p>
@@ -3149,7 +3149,7 @@
           <a:p>
             <a:fld id="{B12F9B78-2616-4EC3-89AF-BE4821C313E8}" type="datetimeFigureOut">
               <a:rPr lang="en-IN" smtClean="0"/>
-              <a:t>07-08-2024</a:t>
+              <a:t>29-08-2024</a:t>
             </a:fld>
             <a:endParaRPr lang="en-IN"/>
           </a:p>
@@ -3868,7 +3868,7 @@
                 <a:effectLst/>
                 <a:latin typeface="Söhne"/>
               </a:rPr>
-              <a:t>Frontend: React.js, Redux, HTML/CSS: Modern frontend technologies for building interactive and responsive user interfaces.</a:t>
+              <a:t>Frontend: React.js, HTML/CSS: Modern frontend technologies for building interactive and responsive user interfaces.</a:t>
             </a:r>
             <a:endParaRPr lang="en-US" dirty="0">
               <a:latin typeface="Söhne"/>
@@ -3880,21 +3880,7 @@
                 <a:effectLst/>
                 <a:latin typeface="Söhne"/>
               </a:rPr>
-              <a:t>Backend</a:t>
-            </a:r>
-            <a:r>
-              <a:rPr lang="en-US" b="0" i="0">
-                <a:effectLst/>
-                <a:latin typeface="Söhne"/>
-              </a:rPr>
-              <a:t>: JAVA: </a:t>
-            </a:r>
-            <a:r>
-              <a:rPr lang="en-US" b="0" i="0" dirty="0">
-                <a:effectLst/>
-                <a:latin typeface="Söhne"/>
-              </a:rPr>
-              <a:t>Server-side technologies for handling requests, managing data, and implementing business logic.</a:t>
+              <a:t>Backend: JAVA: Server-side technologies for handling requests, managing data, and implementing business logic.</a:t>
             </a:r>
           </a:p>
           <a:p>
@@ -4771,7 +4757,7 @@
               <a:rPr lang="en-US" dirty="0">
                 <a:latin typeface="Söhne"/>
               </a:rPr>
-              <a:t>MongoDB</a:t>
+              <a:t>MySQL</a:t>
             </a:r>
             <a:r>
               <a:rPr lang="en-US" b="0" i="0" dirty="0">
